--- a/sample prep new.pptx
+++ b/sample prep new.pptx
@@ -263,7 +263,7 @@
           <a:p>
             <a:fld id="{E5D0F85D-5F53-4202-8E20-C72233901718}" type="datetimeFigureOut">
               <a:rPr lang="zh-TW" altLang="en-US" smtClean="0"/>
-              <a:t>2025/12/30</a:t>
+              <a:t>2026/1/12</a:t>
             </a:fld>
             <a:endParaRPr lang="zh-TW" altLang="en-US"/>
           </a:p>
@@ -461,7 +461,7 @@
           <a:p>
             <a:fld id="{E5D0F85D-5F53-4202-8E20-C72233901718}" type="datetimeFigureOut">
               <a:rPr lang="zh-TW" altLang="en-US" smtClean="0"/>
-              <a:t>2025/12/30</a:t>
+              <a:t>2026/1/12</a:t>
             </a:fld>
             <a:endParaRPr lang="zh-TW" altLang="en-US"/>
           </a:p>
@@ -669,7 +669,7 @@
           <a:p>
             <a:fld id="{E5D0F85D-5F53-4202-8E20-C72233901718}" type="datetimeFigureOut">
               <a:rPr lang="zh-TW" altLang="en-US" smtClean="0"/>
-              <a:t>2025/12/30</a:t>
+              <a:t>2026/1/12</a:t>
             </a:fld>
             <a:endParaRPr lang="zh-TW" altLang="en-US"/>
           </a:p>
@@ -867,7 +867,7 @@
           <a:p>
             <a:fld id="{E5D0F85D-5F53-4202-8E20-C72233901718}" type="datetimeFigureOut">
               <a:rPr lang="zh-TW" altLang="en-US" smtClean="0"/>
-              <a:t>2025/12/30</a:t>
+              <a:t>2026/1/12</a:t>
             </a:fld>
             <a:endParaRPr lang="zh-TW" altLang="en-US"/>
           </a:p>
@@ -1142,7 +1142,7 @@
           <a:p>
             <a:fld id="{E5D0F85D-5F53-4202-8E20-C72233901718}" type="datetimeFigureOut">
               <a:rPr lang="zh-TW" altLang="en-US" smtClean="0"/>
-              <a:t>2025/12/30</a:t>
+              <a:t>2026/1/12</a:t>
             </a:fld>
             <a:endParaRPr lang="zh-TW" altLang="en-US"/>
           </a:p>
@@ -1407,7 +1407,7 @@
           <a:p>
             <a:fld id="{E5D0F85D-5F53-4202-8E20-C72233901718}" type="datetimeFigureOut">
               <a:rPr lang="zh-TW" altLang="en-US" smtClean="0"/>
-              <a:t>2025/12/30</a:t>
+              <a:t>2026/1/12</a:t>
             </a:fld>
             <a:endParaRPr lang="zh-TW" altLang="en-US"/>
           </a:p>
@@ -1819,7 +1819,7 @@
           <a:p>
             <a:fld id="{E5D0F85D-5F53-4202-8E20-C72233901718}" type="datetimeFigureOut">
               <a:rPr lang="zh-TW" altLang="en-US" smtClean="0"/>
-              <a:t>2025/12/30</a:t>
+              <a:t>2026/1/12</a:t>
             </a:fld>
             <a:endParaRPr lang="zh-TW" altLang="en-US"/>
           </a:p>
@@ -1960,7 +1960,7 @@
           <a:p>
             <a:fld id="{E5D0F85D-5F53-4202-8E20-C72233901718}" type="datetimeFigureOut">
               <a:rPr lang="zh-TW" altLang="en-US" smtClean="0"/>
-              <a:t>2025/12/30</a:t>
+              <a:t>2026/1/12</a:t>
             </a:fld>
             <a:endParaRPr lang="zh-TW" altLang="en-US"/>
           </a:p>
@@ -2073,7 +2073,7 @@
           <a:p>
             <a:fld id="{E5D0F85D-5F53-4202-8E20-C72233901718}" type="datetimeFigureOut">
               <a:rPr lang="zh-TW" altLang="en-US" smtClean="0"/>
-              <a:t>2025/12/30</a:t>
+              <a:t>2026/1/12</a:t>
             </a:fld>
             <a:endParaRPr lang="zh-TW" altLang="en-US"/>
           </a:p>
@@ -2384,7 +2384,7 @@
           <a:p>
             <a:fld id="{E5D0F85D-5F53-4202-8E20-C72233901718}" type="datetimeFigureOut">
               <a:rPr lang="zh-TW" altLang="en-US" smtClean="0"/>
-              <a:t>2025/12/30</a:t>
+              <a:t>2026/1/12</a:t>
             </a:fld>
             <a:endParaRPr lang="zh-TW" altLang="en-US"/>
           </a:p>
@@ -2672,7 +2672,7 @@
           <a:p>
             <a:fld id="{E5D0F85D-5F53-4202-8E20-C72233901718}" type="datetimeFigureOut">
               <a:rPr lang="zh-TW" altLang="en-US" smtClean="0"/>
-              <a:t>2025/12/30</a:t>
+              <a:t>2026/1/12</a:t>
             </a:fld>
             <a:endParaRPr lang="zh-TW" altLang="en-US"/>
           </a:p>
@@ -2913,7 +2913,7 @@
           <a:p>
             <a:fld id="{E5D0F85D-5F53-4202-8E20-C72233901718}" type="datetimeFigureOut">
               <a:rPr lang="zh-TW" altLang="en-US" smtClean="0"/>
-              <a:t>2025/12/30</a:t>
+              <a:t>2026/1/12</a:t>
             </a:fld>
             <a:endParaRPr lang="zh-TW" altLang="en-US"/>
           </a:p>
